--- a/124/NMOP/draft-ietf-nmop-message-broker-telemetry-message-03.pptx
+++ b/124/NMOP/draft-ietf-nmop-message-broker-telemetry-message-03.pptx
@@ -122,8 +122,7 @@
 <file path=ppt/revisionInfo.xml><?xml version="1.0" encoding="utf-8"?>
 <p1510:revInfo xmlns:a="http://schemas.openxmlformats.org/drawingml/2006/main" xmlns:r="http://schemas.openxmlformats.org/officeDocument/2006/relationships" xmlns:p1510="http://schemas.microsoft.com/office/powerpoint/2015/10/main">
   <p1510:revLst>
-    <p1510:client id="{1BAAA70E-921F-47F1-8CE8-3DD05F71A227}" v="14" dt="2025-10-25T07:09:49.026"/>
-    <p1510:client id="{48F68950-F8CC-4505-AD5A-E44C3FF4A9B2}" v="56" dt="2025-10-25T08:24:00.148"/>
+    <p1510:client id="{48F68950-F8CC-4505-AD5A-E44C3FF4A9B2}" v="69" dt="2025-10-26T13:03:41.694"/>
   </p1510:revLst>
 </p1510:revInfo>
 </file>
@@ -133,12 +132,12 @@
   <pc:docChgLst>
     <pc:chgData name="Graf Thomas, SCS-INI-NET-VNC-E2E" userId="487bc3e3-9ce7-4cdd-b7b4-8899ea88d289" providerId="ADAL" clId="{48F68950-F8CC-4505-AD5A-E44C3FF4A9B2}"/>
     <pc:docChg chg="undo custSel addSld delSld modSld sldOrd">
-      <pc:chgData name="Graf Thomas, SCS-INI-NET-VNC-E2E" userId="487bc3e3-9ce7-4cdd-b7b4-8899ea88d289" providerId="ADAL" clId="{48F68950-F8CC-4505-AD5A-E44C3FF4A9B2}" dt="2025-10-25T08:24:04.896" v="1605" actId="20577"/>
+      <pc:chgData name="Graf Thomas, SCS-INI-NET-VNC-E2E" userId="487bc3e3-9ce7-4cdd-b7b4-8899ea88d289" providerId="ADAL" clId="{48F68950-F8CC-4505-AD5A-E44C3FF4A9B2}" dt="2025-10-26T13:03:45.596" v="2106" actId="20577"/>
       <pc:docMkLst>
         <pc:docMk/>
       </pc:docMkLst>
       <pc:sldChg chg="modSp mod">
-        <pc:chgData name="Graf Thomas, SCS-INI-NET-VNC-E2E" userId="487bc3e3-9ce7-4cdd-b7b4-8899ea88d289" providerId="ADAL" clId="{48F68950-F8CC-4505-AD5A-E44C3FF4A9B2}" dt="2025-10-25T07:21:23.616" v="13" actId="20577"/>
+        <pc:chgData name="Graf Thomas, SCS-INI-NET-VNC-E2E" userId="487bc3e3-9ce7-4cdd-b7b4-8899ea88d289" providerId="ADAL" clId="{48F68950-F8CC-4505-AD5A-E44C3FF4A9B2}" dt="2025-10-26T12:34:44.541" v="1607" actId="20577"/>
         <pc:sldMkLst>
           <pc:docMk/>
           <pc:sldMk cId="3578665336" sldId="1041"/>
@@ -149,6 +148,14 @@
             <pc:docMk/>
             <pc:sldMk cId="3578665336" sldId="1041"/>
             <ac:spMk id="5" creationId="{C26208B2-0D10-4C23-B2DE-372A62E98644}"/>
+          </ac:spMkLst>
+        </pc:spChg>
+        <pc:spChg chg="mod">
+          <ac:chgData name="Graf Thomas, SCS-INI-NET-VNC-E2E" userId="487bc3e3-9ce7-4cdd-b7b4-8899ea88d289" providerId="ADAL" clId="{48F68950-F8CC-4505-AD5A-E44C3FF4A9B2}" dt="2025-10-26T12:34:44.541" v="1607" actId="20577"/>
+          <ac:spMkLst>
+            <pc:docMk/>
+            <pc:sldMk cId="3578665336" sldId="1041"/>
+            <ac:spMk id="6" creationId="{6CAA0765-1318-4A03-8F91-D3ECC43D8FA7}"/>
           </ac:spMkLst>
         </pc:spChg>
       </pc:sldChg>
@@ -272,7 +279,7 @@
         </pc:picChg>
       </pc:sldChg>
       <pc:sldChg chg="addSp delSp modSp mod">
-        <pc:chgData name="Graf Thomas, SCS-INI-NET-VNC-E2E" userId="487bc3e3-9ce7-4cdd-b7b4-8899ea88d289" providerId="ADAL" clId="{48F68950-F8CC-4505-AD5A-E44C3FF4A9B2}" dt="2025-10-25T08:16:13.779" v="1574" actId="6549"/>
+        <pc:chgData name="Graf Thomas, SCS-INI-NET-VNC-E2E" userId="487bc3e3-9ce7-4cdd-b7b4-8899ea88d289" providerId="ADAL" clId="{48F68950-F8CC-4505-AD5A-E44C3FF4A9B2}" dt="2025-10-26T12:35:31.379" v="1610" actId="20577"/>
         <pc:sldMkLst>
           <pc:docMk/>
           <pc:sldMk cId="2750719351" sldId="2145706243"/>
@@ -286,7 +293,7 @@
           </ac:spMkLst>
         </pc:spChg>
         <pc:spChg chg="mod">
-          <ac:chgData name="Graf Thomas, SCS-INI-NET-VNC-E2E" userId="487bc3e3-9ce7-4cdd-b7b4-8899ea88d289" providerId="ADAL" clId="{48F68950-F8CC-4505-AD5A-E44C3FF4A9B2}" dt="2025-10-25T08:16:13.779" v="1574" actId="6549"/>
+          <ac:chgData name="Graf Thomas, SCS-INI-NET-VNC-E2E" userId="487bc3e3-9ce7-4cdd-b7b4-8899ea88d289" providerId="ADAL" clId="{48F68950-F8CC-4505-AD5A-E44C3FF4A9B2}" dt="2025-10-26T12:35:31.379" v="1610" actId="20577"/>
           <ac:spMkLst>
             <pc:docMk/>
             <pc:sldMk cId="2750719351" sldId="2145706243"/>
@@ -356,8 +363,8 @@
           </ac:spMkLst>
         </pc:spChg>
       </pc:sldChg>
-      <pc:sldChg chg="modSp add mod">
-        <pc:chgData name="Graf Thomas, SCS-INI-NET-VNC-E2E" userId="487bc3e3-9ce7-4cdd-b7b4-8899ea88d289" providerId="ADAL" clId="{48F68950-F8CC-4505-AD5A-E44C3FF4A9B2}" dt="2025-10-25T08:17:44.497" v="1576" actId="113"/>
+      <pc:sldChg chg="addSp modSp add mod">
+        <pc:chgData name="Graf Thomas, SCS-INI-NET-VNC-E2E" userId="487bc3e3-9ce7-4cdd-b7b4-8899ea88d289" providerId="ADAL" clId="{48F68950-F8CC-4505-AD5A-E44C3FF4A9B2}" dt="2025-10-26T13:03:45.596" v="2106" actId="20577"/>
         <pc:sldMkLst>
           <pc:docMk/>
           <pc:sldMk cId="4208302676" sldId="2145706306"/>
@@ -371,11 +378,19 @@
           </ac:spMkLst>
         </pc:spChg>
         <pc:spChg chg="mod">
-          <ac:chgData name="Graf Thomas, SCS-INI-NET-VNC-E2E" userId="487bc3e3-9ce7-4cdd-b7b4-8899ea88d289" providerId="ADAL" clId="{48F68950-F8CC-4505-AD5A-E44C3FF4A9B2}" dt="2025-10-25T08:11:19.947" v="1570" actId="20577"/>
+          <ac:chgData name="Graf Thomas, SCS-INI-NET-VNC-E2E" userId="487bc3e3-9ce7-4cdd-b7b4-8899ea88d289" providerId="ADAL" clId="{48F68950-F8CC-4505-AD5A-E44C3FF4A9B2}" dt="2025-10-26T13:03:45.596" v="2106" actId="20577"/>
           <ac:spMkLst>
             <pc:docMk/>
             <pc:sldMk cId="4208302676" sldId="2145706306"/>
             <ac:spMk id="3" creationId="{07B878BF-4CE0-02B1-A1AF-E443CE11011B}"/>
+          </ac:spMkLst>
+        </pc:spChg>
+        <pc:spChg chg="add mod">
+          <ac:chgData name="Graf Thomas, SCS-INI-NET-VNC-E2E" userId="487bc3e3-9ce7-4cdd-b7b4-8899ea88d289" providerId="ADAL" clId="{48F68950-F8CC-4505-AD5A-E44C3FF4A9B2}" dt="2025-10-26T12:34:52.414" v="1608"/>
+          <ac:spMkLst>
+            <pc:docMk/>
+            <pc:sldMk cId="4208302676" sldId="2145706306"/>
+            <ac:spMk id="4" creationId="{17D9D613-D281-5E22-4AF5-5EF54C849750}"/>
           </ac:spMkLst>
         </pc:spChg>
       </pc:sldChg>
@@ -584,7 +599,7 @@
           <a:p>
             <a:fld id="{E5E705E9-673F-4AC4-B29E-A7B26F3B8523}" type="datetimeFigureOut">
               <a:rPr lang="de-CH" smtClean="0"/>
-              <a:t>25.10.2025</a:t>
+              <a:t>26.10.2025</a:t>
             </a:fld>
             <a:endParaRPr lang="de-CH"/>
           </a:p>
@@ -1001,7 +1016,7 @@
           <a:p>
             <a:fld id="{9E9B238C-2335-4007-98C9-471C02CC43B6}" type="datetimeFigureOut">
               <a:rPr lang="de-CH" smtClean="0"/>
-              <a:t>25.10.2025</a:t>
+              <a:t>26.10.2025</a:t>
             </a:fld>
             <a:endParaRPr lang="de-CH"/>
           </a:p>
@@ -1201,7 +1216,7 @@
           <a:p>
             <a:fld id="{9E9B238C-2335-4007-98C9-471C02CC43B6}" type="datetimeFigureOut">
               <a:rPr lang="de-CH" smtClean="0"/>
-              <a:t>25.10.2025</a:t>
+              <a:t>26.10.2025</a:t>
             </a:fld>
             <a:endParaRPr lang="de-CH"/>
           </a:p>
@@ -1411,7 +1426,7 @@
           <a:p>
             <a:fld id="{9E9B238C-2335-4007-98C9-471C02CC43B6}" type="datetimeFigureOut">
               <a:rPr lang="de-CH" smtClean="0"/>
-              <a:t>25.10.2025</a:t>
+              <a:t>26.10.2025</a:t>
             </a:fld>
             <a:endParaRPr lang="de-CH"/>
           </a:p>
@@ -1611,7 +1626,7 @@
           <a:p>
             <a:fld id="{9E9B238C-2335-4007-98C9-471C02CC43B6}" type="datetimeFigureOut">
               <a:rPr lang="de-CH" smtClean="0"/>
-              <a:t>25.10.2025</a:t>
+              <a:t>26.10.2025</a:t>
             </a:fld>
             <a:endParaRPr lang="de-CH"/>
           </a:p>
@@ -1887,7 +1902,7 @@
           <a:p>
             <a:fld id="{9E9B238C-2335-4007-98C9-471C02CC43B6}" type="datetimeFigureOut">
               <a:rPr lang="de-CH" smtClean="0"/>
-              <a:t>25.10.2025</a:t>
+              <a:t>26.10.2025</a:t>
             </a:fld>
             <a:endParaRPr lang="de-CH"/>
           </a:p>
@@ -2155,7 +2170,7 @@
           <a:p>
             <a:fld id="{9E9B238C-2335-4007-98C9-471C02CC43B6}" type="datetimeFigureOut">
               <a:rPr lang="de-CH" smtClean="0"/>
-              <a:t>25.10.2025</a:t>
+              <a:t>26.10.2025</a:t>
             </a:fld>
             <a:endParaRPr lang="de-CH"/>
           </a:p>
@@ -2570,7 +2585,7 @@
           <a:p>
             <a:fld id="{9E9B238C-2335-4007-98C9-471C02CC43B6}" type="datetimeFigureOut">
               <a:rPr lang="de-CH" smtClean="0"/>
-              <a:t>25.10.2025</a:t>
+              <a:t>26.10.2025</a:t>
             </a:fld>
             <a:endParaRPr lang="de-CH"/>
           </a:p>
@@ -2712,7 +2727,7 @@
           <a:p>
             <a:fld id="{9E9B238C-2335-4007-98C9-471C02CC43B6}" type="datetimeFigureOut">
               <a:rPr lang="de-CH" smtClean="0"/>
-              <a:t>25.10.2025</a:t>
+              <a:t>26.10.2025</a:t>
             </a:fld>
             <a:endParaRPr lang="de-CH"/>
           </a:p>
@@ -2825,7 +2840,7 @@
           <a:p>
             <a:fld id="{9E9B238C-2335-4007-98C9-471C02CC43B6}" type="datetimeFigureOut">
               <a:rPr lang="de-CH" smtClean="0"/>
-              <a:t>25.10.2025</a:t>
+              <a:t>26.10.2025</a:t>
             </a:fld>
             <a:endParaRPr lang="de-CH"/>
           </a:p>
@@ -3138,7 +3153,7 @@
           <a:p>
             <a:fld id="{9E9B238C-2335-4007-98C9-471C02CC43B6}" type="datetimeFigureOut">
               <a:rPr lang="de-CH" smtClean="0"/>
-              <a:t>25.10.2025</a:t>
+              <a:t>26.10.2025</a:t>
             </a:fld>
             <a:endParaRPr lang="de-CH"/>
           </a:p>
@@ -3427,7 +3442,7 @@
           <a:p>
             <a:fld id="{9E9B238C-2335-4007-98C9-471C02CC43B6}" type="datetimeFigureOut">
               <a:rPr lang="de-CH" smtClean="0"/>
-              <a:t>25.10.2025</a:t>
+              <a:t>26.10.2025</a:t>
             </a:fld>
             <a:endParaRPr lang="de-CH"/>
           </a:p>
@@ -3670,7 +3685,7 @@
           <a:p>
             <a:fld id="{9E9B238C-2335-4007-98C9-471C02CC43B6}" type="datetimeFigureOut">
               <a:rPr lang="de-CH" smtClean="0"/>
-              <a:t>25.10.2025</a:t>
+              <a:t>26.10.2025</a:t>
             </a:fld>
             <a:endParaRPr lang="de-CH"/>
           </a:p>
@@ -4424,7 +4439,7 @@
               <a:defRPr sz="1782"/>
             </a:pPr>
             <a:r>
-              <a:rPr lang="de-CH" sz="1400" dirty="0">
+              <a:rPr lang="de-CH" sz="1400" b="1" dirty="0">
                 <a:latin typeface="+mj-lt"/>
               </a:rPr>
               <a:t>thomas.graf@swisscom.com</a:t>
@@ -4464,7 +4479,7 @@
               <a:rPr lang="de-CH" sz="1400" dirty="0">
                 <a:latin typeface="+mj-lt"/>
               </a:rPr>
-              <a:t>25. </a:t>
+              <a:t>26. </a:t>
             </a:r>
             <a:r>
               <a:rPr lang="de-CH" sz="1400" dirty="0" err="1">
@@ -8351,6 +8366,11 @@
             </a:r>
           </a:p>
           <a:p>
+            <a:pPr>
+              <a:spcBef>
+                <a:spcPts val="600"/>
+              </a:spcBef>
+            </a:pPr>
             <a:r>
               <a:rPr lang="en-US" sz="1800" dirty="0">
                 <a:latin typeface="Calibri Body"/>
@@ -8372,6 +8392,11 @@
             </a:r>
           </a:p>
           <a:p>
+            <a:pPr>
+              <a:spcBef>
+                <a:spcPts val="600"/>
+              </a:spcBef>
+            </a:pPr>
             <a:r>
               <a:rPr lang="en-US" sz="1800" dirty="0">
                 <a:latin typeface="Calibri Body"/>
@@ -8395,7 +8420,7 @@
           <a:p>
             <a:pPr lvl="1">
               <a:spcBef>
-                <a:spcPts val="1000"/>
+                <a:spcPts val="600"/>
               </a:spcBef>
               <a:buFont typeface="Wingdings" panose="05000000000000000000" pitchFamily="2" charset="2"/>
               <a:buChar char="Ø"/>
@@ -8411,11 +8436,173 @@
             </a:r>
           </a:p>
           <a:p>
+            <a:pPr>
+              <a:spcBef>
+                <a:spcPts val="600"/>
+              </a:spcBef>
+            </a:pPr>
             <a:r>
               <a:rPr lang="en-US" sz="1800" dirty="0">
                 <a:latin typeface="Calibri Body"/>
               </a:rPr>
               <a:t>Workflow Engine from Ciena Blue Planet UAA is a YANG Message Broker Consumer implementation which is currently under development and testing. </a:t>
+            </a:r>
+          </a:p>
+          <a:p>
+            <a:pPr>
+              <a:spcBef>
+                <a:spcPts val="600"/>
+              </a:spcBef>
+            </a:pPr>
+            <a:r>
+              <a:rPr lang="en-US" sz="1800" dirty="0">
+                <a:latin typeface="Calibri Body"/>
+              </a:rPr>
+              <a:t>The last remaining normative referenced document which did not pass working group last call is </a:t>
+            </a:r>
+            <a:r>
+              <a:rPr lang="en-US" sz="1800" dirty="0">
+                <a:latin typeface="Calibri Body"/>
+                <a:hlinkClick r:id="rId4"/>
+              </a:rPr>
+              <a:t>draft-</a:t>
+            </a:r>
+            <a:r>
+              <a:rPr lang="en-US" sz="1800" dirty="0" err="1">
+                <a:latin typeface="Calibri Body"/>
+                <a:hlinkClick r:id="rId4"/>
+              </a:rPr>
+              <a:t>ietf</a:t>
+            </a:r>
+            <a:r>
+              <a:rPr lang="en-US" sz="1800" dirty="0">
+                <a:latin typeface="Calibri Body"/>
+                <a:hlinkClick r:id="rId4"/>
+              </a:rPr>
+              <a:t>-</a:t>
+            </a:r>
+            <a:r>
+              <a:rPr lang="en-US" sz="1800" dirty="0" err="1">
+                <a:latin typeface="Calibri Body"/>
+                <a:hlinkClick r:id="rId4"/>
+              </a:rPr>
+              <a:t>nmop</a:t>
+            </a:r>
+            <a:r>
+              <a:rPr lang="en-US" sz="1800" dirty="0">
+                <a:latin typeface="Calibri Body"/>
+                <a:hlinkClick r:id="rId4"/>
+              </a:rPr>
+              <a:t>-yang-message-broker-integration</a:t>
+            </a:r>
+            <a:r>
+              <a:rPr lang="en-US" sz="1800" dirty="0">
+                <a:latin typeface="Calibri Body"/>
+              </a:rPr>
+              <a:t>.</a:t>
+            </a:r>
+          </a:p>
+          <a:p>
+            <a:pPr>
+              <a:spcBef>
+                <a:spcPts val="600"/>
+              </a:spcBef>
+              <a:buFont typeface="Wingdings" panose="05000000000000000000" pitchFamily="2" charset="2"/>
+              <a:buChar char="Ø"/>
+            </a:pPr>
+            <a:r>
+              <a:rPr lang="en-US" sz="1800" b="1" dirty="0">
+                <a:solidFill>
+                  <a:srgbClr val="FF0000"/>
+                </a:solidFill>
+                <a:latin typeface="Calibri Body"/>
+              </a:rPr>
+              <a:t>Clarify with NMOP and OPS AD wherever the document should be "informational" or "standards track".</a:t>
+            </a:r>
+          </a:p>
+          <a:p>
+            <a:pPr>
+              <a:spcBef>
+                <a:spcPts val="600"/>
+              </a:spcBef>
+              <a:buFont typeface="Wingdings" panose="05000000000000000000" pitchFamily="2" charset="2"/>
+              <a:buChar char="Ø"/>
+            </a:pPr>
+            <a:r>
+              <a:rPr lang="en-US" sz="1800" b="1" dirty="0">
+                <a:solidFill>
+                  <a:srgbClr val="FF0000"/>
+                </a:solidFill>
+                <a:latin typeface="Calibri Body"/>
+              </a:rPr>
+              <a:t>The authors believe that the document is stable and once YANG doctors review and input from second implementation has been merged, working group last call at IETF 125 and submitted together with </a:t>
+            </a:r>
+            <a:br>
+              <a:rPr lang="en-US" sz="1800" b="1" dirty="0">
+                <a:solidFill>
+                  <a:srgbClr val="FF0000"/>
+                </a:solidFill>
+                <a:latin typeface="Calibri Body"/>
+              </a:rPr>
+            </a:br>
+            <a:r>
+              <a:rPr lang="en-US" sz="1800" b="1" dirty="0">
+                <a:solidFill>
+                  <a:srgbClr val="FF0000"/>
+                </a:solidFill>
+                <a:latin typeface="Calibri Body"/>
+                <a:hlinkClick r:id="rId4"/>
+              </a:rPr>
+              <a:t>draft-</a:t>
+            </a:r>
+            <a:r>
+              <a:rPr lang="en-US" sz="1800" b="1" dirty="0" err="1">
+                <a:solidFill>
+                  <a:srgbClr val="FF0000"/>
+                </a:solidFill>
+                <a:latin typeface="Calibri Body"/>
+                <a:hlinkClick r:id="rId4"/>
+              </a:rPr>
+              <a:t>ietf</a:t>
+            </a:r>
+            <a:r>
+              <a:rPr lang="en-US" sz="1800" b="1" dirty="0">
+                <a:solidFill>
+                  <a:srgbClr val="FF0000"/>
+                </a:solidFill>
+                <a:latin typeface="Calibri Body"/>
+                <a:hlinkClick r:id="rId4"/>
+              </a:rPr>
+              <a:t>-</a:t>
+            </a:r>
+            <a:r>
+              <a:rPr lang="en-US" sz="1800" b="1" dirty="0" err="1">
+                <a:solidFill>
+                  <a:srgbClr val="FF0000"/>
+                </a:solidFill>
+                <a:latin typeface="Calibri Body"/>
+                <a:hlinkClick r:id="rId4"/>
+              </a:rPr>
+              <a:t>nmop</a:t>
+            </a:r>
+            <a:r>
+              <a:rPr lang="en-US" sz="1800" b="1" dirty="0">
+                <a:solidFill>
+                  <a:srgbClr val="FF0000"/>
+                </a:solidFill>
+                <a:latin typeface="Calibri Body"/>
+                <a:hlinkClick r:id="rId4"/>
+              </a:rPr>
+              <a:t>-yang-message-broker-integration</a:t>
+            </a:r>
+            <a:r>
+              <a:rPr lang="en-US" sz="1800" b="1" dirty="0">
+                <a:solidFill>
+                  <a:srgbClr val="FF0000"/>
+                </a:solidFill>
+                <a:latin typeface="Calibri Body"/>
+              </a:rPr>
+              <a:t> to IESG can be considered.</a:t>
             </a:r>
           </a:p>
         </p:txBody>
@@ -8451,6 +8638,278 @@
               <a:t>5</a:t>
             </a:fld>
             <a:endParaRPr lang="en-US" sz="1400" dirty="0"/>
+          </a:p>
+        </p:txBody>
+      </p:sp>
+      <p:sp>
+        <p:nvSpPr>
+          <p:cNvPr id="4" name="Subtitle 4">
+            <a:extLst>
+              <a:ext uri="{FF2B5EF4-FFF2-40B4-BE49-F238E27FC236}">
+                <a16:creationId xmlns:a16="http://schemas.microsoft.com/office/drawing/2014/main" id="{17D9D613-D281-5E22-4AF5-5EF54C849750}"/>
+              </a:ext>
+            </a:extLst>
+          </p:cNvPr>
+          <p:cNvSpPr txBox="1">
+            <a:spLocks/>
+          </p:cNvSpPr>
+          <p:nvPr/>
+        </p:nvSpPr>
+        <p:spPr>
+          <a:xfrm>
+            <a:off x="838200" y="5658415"/>
+            <a:ext cx="11163943" cy="703221"/>
+          </a:xfrm>
+          <a:prstGeom prst="rect">
+            <a:avLst/>
+          </a:prstGeom>
+        </p:spPr>
+        <p:txBody>
+          <a:bodyPr vert="horz" lIns="91440" tIns="45720" rIns="91440" bIns="45720" rtlCol="0">
+            <a:normAutofit fontScale="85000" lnSpcReduction="20000"/>
+          </a:bodyPr>
+          <a:lstStyle>
+            <a:lvl1pPr marL="228600" indent="-228600" algn="l" defTabSz="914400" rtl="0" eaLnBrk="1" latinLnBrk="0" hangingPunct="1">
+              <a:lnSpc>
+                <a:spcPct val="90000"/>
+              </a:lnSpc>
+              <a:spcBef>
+                <a:spcPts val="1000"/>
+              </a:spcBef>
+              <a:buFont typeface="Arial" panose="020B0604020202020204" pitchFamily="34" charset="0"/>
+              <a:buChar char="•"/>
+              <a:defRPr sz="2800" kern="1200">
+                <a:solidFill>
+                  <a:schemeClr val="tx1"/>
+                </a:solidFill>
+                <a:latin typeface="+mn-lt"/>
+                <a:ea typeface="+mn-ea"/>
+                <a:cs typeface="+mn-cs"/>
+              </a:defRPr>
+            </a:lvl1pPr>
+            <a:lvl2pPr marL="685800" indent="-228600" algn="l" defTabSz="914400" rtl="0" eaLnBrk="1" latinLnBrk="0" hangingPunct="1">
+              <a:lnSpc>
+                <a:spcPct val="90000"/>
+              </a:lnSpc>
+              <a:spcBef>
+                <a:spcPts val="500"/>
+              </a:spcBef>
+              <a:buFont typeface="Arial" panose="020B0604020202020204" pitchFamily="34" charset="0"/>
+              <a:buChar char="•"/>
+              <a:defRPr sz="2400" kern="1200">
+                <a:solidFill>
+                  <a:schemeClr val="tx1"/>
+                </a:solidFill>
+                <a:latin typeface="+mn-lt"/>
+                <a:ea typeface="+mn-ea"/>
+                <a:cs typeface="+mn-cs"/>
+              </a:defRPr>
+            </a:lvl2pPr>
+            <a:lvl3pPr marL="1143000" indent="-228600" algn="l" defTabSz="914400" rtl="0" eaLnBrk="1" latinLnBrk="0" hangingPunct="1">
+              <a:lnSpc>
+                <a:spcPct val="90000"/>
+              </a:lnSpc>
+              <a:spcBef>
+                <a:spcPts val="500"/>
+              </a:spcBef>
+              <a:buFont typeface="Arial" panose="020B0604020202020204" pitchFamily="34" charset="0"/>
+              <a:buChar char="•"/>
+              <a:defRPr sz="2000" kern="1200">
+                <a:solidFill>
+                  <a:schemeClr val="tx1"/>
+                </a:solidFill>
+                <a:latin typeface="+mn-lt"/>
+                <a:ea typeface="+mn-ea"/>
+                <a:cs typeface="+mn-cs"/>
+              </a:defRPr>
+            </a:lvl3pPr>
+            <a:lvl4pPr marL="1600200" indent="-228600" algn="l" defTabSz="914400" rtl="0" eaLnBrk="1" latinLnBrk="0" hangingPunct="1">
+              <a:lnSpc>
+                <a:spcPct val="90000"/>
+              </a:lnSpc>
+              <a:spcBef>
+                <a:spcPts val="500"/>
+              </a:spcBef>
+              <a:buFont typeface="Arial" panose="020B0604020202020204" pitchFamily="34" charset="0"/>
+              <a:buChar char="•"/>
+              <a:defRPr sz="1800" kern="1200">
+                <a:solidFill>
+                  <a:schemeClr val="tx1"/>
+                </a:solidFill>
+                <a:latin typeface="+mn-lt"/>
+                <a:ea typeface="+mn-ea"/>
+                <a:cs typeface="+mn-cs"/>
+              </a:defRPr>
+            </a:lvl4pPr>
+            <a:lvl5pPr marL="2057400" indent="-228600" algn="l" defTabSz="914400" rtl="0" eaLnBrk="1" latinLnBrk="0" hangingPunct="1">
+              <a:lnSpc>
+                <a:spcPct val="90000"/>
+              </a:lnSpc>
+              <a:spcBef>
+                <a:spcPts val="500"/>
+              </a:spcBef>
+              <a:buFont typeface="Arial" panose="020B0604020202020204" pitchFamily="34" charset="0"/>
+              <a:buChar char="•"/>
+              <a:defRPr sz="1800" kern="1200">
+                <a:solidFill>
+                  <a:schemeClr val="tx1"/>
+                </a:solidFill>
+                <a:latin typeface="+mn-lt"/>
+                <a:ea typeface="+mn-ea"/>
+                <a:cs typeface="+mn-cs"/>
+              </a:defRPr>
+            </a:lvl5pPr>
+            <a:lvl6pPr marL="2514600" indent="-228600" algn="l" defTabSz="914400" rtl="0" eaLnBrk="1" latinLnBrk="0" hangingPunct="1">
+              <a:lnSpc>
+                <a:spcPct val="90000"/>
+              </a:lnSpc>
+              <a:spcBef>
+                <a:spcPts val="500"/>
+              </a:spcBef>
+              <a:buFont typeface="Arial" panose="020B0604020202020204" pitchFamily="34" charset="0"/>
+              <a:buChar char="•"/>
+              <a:defRPr sz="1800" kern="1200">
+                <a:solidFill>
+                  <a:schemeClr val="tx1"/>
+                </a:solidFill>
+                <a:latin typeface="+mn-lt"/>
+                <a:ea typeface="+mn-ea"/>
+                <a:cs typeface="+mn-cs"/>
+              </a:defRPr>
+            </a:lvl6pPr>
+            <a:lvl7pPr marL="2971800" indent="-228600" algn="l" defTabSz="914400" rtl="0" eaLnBrk="1" latinLnBrk="0" hangingPunct="1">
+              <a:lnSpc>
+                <a:spcPct val="90000"/>
+              </a:lnSpc>
+              <a:spcBef>
+                <a:spcPts val="500"/>
+              </a:spcBef>
+              <a:buFont typeface="Arial" panose="020B0604020202020204" pitchFamily="34" charset="0"/>
+              <a:buChar char="•"/>
+              <a:defRPr sz="1800" kern="1200">
+                <a:solidFill>
+                  <a:schemeClr val="tx1"/>
+                </a:solidFill>
+                <a:latin typeface="+mn-lt"/>
+                <a:ea typeface="+mn-ea"/>
+                <a:cs typeface="+mn-cs"/>
+              </a:defRPr>
+            </a:lvl7pPr>
+            <a:lvl8pPr marL="3429000" indent="-228600" algn="l" defTabSz="914400" rtl="0" eaLnBrk="1" latinLnBrk="0" hangingPunct="1">
+              <a:lnSpc>
+                <a:spcPct val="90000"/>
+              </a:lnSpc>
+              <a:spcBef>
+                <a:spcPts val="500"/>
+              </a:spcBef>
+              <a:buFont typeface="Arial" panose="020B0604020202020204" pitchFamily="34" charset="0"/>
+              <a:buChar char="•"/>
+              <a:defRPr sz="1800" kern="1200">
+                <a:solidFill>
+                  <a:schemeClr val="tx1"/>
+                </a:solidFill>
+                <a:latin typeface="+mn-lt"/>
+                <a:ea typeface="+mn-ea"/>
+                <a:cs typeface="+mn-cs"/>
+              </a:defRPr>
+            </a:lvl8pPr>
+            <a:lvl9pPr marL="3886200" indent="-228600" algn="l" defTabSz="914400" rtl="0" eaLnBrk="1" latinLnBrk="0" hangingPunct="1">
+              <a:lnSpc>
+                <a:spcPct val="90000"/>
+              </a:lnSpc>
+              <a:spcBef>
+                <a:spcPts val="500"/>
+              </a:spcBef>
+              <a:buFont typeface="Arial" panose="020B0604020202020204" pitchFamily="34" charset="0"/>
+              <a:buChar char="•"/>
+              <a:defRPr sz="1800" kern="1200">
+                <a:solidFill>
+                  <a:schemeClr val="tx1"/>
+                </a:solidFill>
+                <a:latin typeface="+mn-lt"/>
+                <a:ea typeface="+mn-ea"/>
+                <a:cs typeface="+mn-cs"/>
+              </a:defRPr>
+            </a:lvl9pPr>
+          </a:lstStyle>
+          <a:p>
+            <a:pPr marL="0" indent="0" algn="r">
+              <a:spcBef>
+                <a:spcPts val="300"/>
+              </a:spcBef>
+              <a:buNone/>
+              <a:defRPr sz="1782"/>
+            </a:pPr>
+            <a:r>
+              <a:rPr lang="de-CH" sz="1400" b="1" dirty="0">
+                <a:latin typeface="+mj-lt"/>
+              </a:rPr>
+              <a:t>thomas.graf@swisscom.com</a:t>
+            </a:r>
+            <a:br>
+              <a:rPr lang="de-CH" sz="1400" dirty="0">
+                <a:latin typeface="+mj-lt"/>
+              </a:rPr>
+            </a:br>
+            <a:r>
+              <a:rPr lang="de-CH" sz="1400" dirty="0">
+                <a:latin typeface="+mj-lt"/>
+              </a:rPr>
+              <a:t>ahmed.elhassany@swisscom.com</a:t>
+            </a:r>
+          </a:p>
+          <a:p>
+            <a:pPr marL="0" indent="0" algn="r">
+              <a:spcBef>
+                <a:spcPts val="300"/>
+              </a:spcBef>
+              <a:buNone/>
+              <a:defRPr sz="1782"/>
+            </a:pPr>
+            <a:endParaRPr lang="de-CH" sz="1400" dirty="0">
+              <a:latin typeface="+mj-lt"/>
+            </a:endParaRPr>
+          </a:p>
+          <a:p>
+            <a:pPr marL="0" indent="0" algn="r">
+              <a:spcBef>
+                <a:spcPts val="300"/>
+              </a:spcBef>
+              <a:buNone/>
+            </a:pPr>
+            <a:r>
+              <a:rPr lang="de-CH" sz="1400" dirty="0">
+                <a:latin typeface="+mj-lt"/>
+              </a:rPr>
+              <a:t>26. </a:t>
+            </a:r>
+            <a:r>
+              <a:rPr lang="de-CH" sz="1400" dirty="0" err="1">
+                <a:latin typeface="+mj-lt"/>
+              </a:rPr>
+              <a:t>October</a:t>
+            </a:r>
+            <a:r>
+              <a:rPr lang="de-CH" sz="1400" dirty="0">
+                <a:latin typeface="+mj-lt"/>
+              </a:rPr>
+              <a:t> </a:t>
+            </a:r>
+            <a:r>
+              <a:rPr lang="de-CH" sz="1400" dirty="0">
+                <a:latin typeface="+mj-lt"/>
+                <a:ea typeface="+mj-ea"/>
+                <a:cs typeface="+mj-cs"/>
+              </a:rPr>
+              <a:t>2025</a:t>
+            </a:r>
+            <a:endParaRPr lang="de-CH" sz="1400" dirty="0">
+              <a:latin typeface="+mj-lt"/>
+            </a:endParaRPr>
+          </a:p>
+          <a:p>
+            <a:pPr algn="r"/>
+            <a:endParaRPr lang="de-CH" sz="2200" dirty="0"/>
           </a:p>
         </p:txBody>
       </p:sp>

--- a/124/NMOP/draft-ietf-nmop-message-broker-telemetry-message-03.pptx
+++ b/124/NMOP/draft-ietf-nmop-message-broker-telemetry-message-03.pptx
@@ -122,7 +122,7 @@
 <file path=ppt/revisionInfo.xml><?xml version="1.0" encoding="utf-8"?>
 <p1510:revInfo xmlns:a="http://schemas.openxmlformats.org/drawingml/2006/main" xmlns:r="http://schemas.openxmlformats.org/officeDocument/2006/relationships" xmlns:p1510="http://schemas.microsoft.com/office/powerpoint/2015/10/main">
   <p1510:revLst>
-    <p1510:client id="{48F68950-F8CC-4505-AD5A-E44C3FF4A9B2}" v="69" dt="2025-10-26T13:03:41.694"/>
+    <p1510:client id="{48F68950-F8CC-4505-AD5A-E44C3FF4A9B2}" v="74" dt="2025-10-28T06:10:11.425"/>
   </p1510:revLst>
 </p1510:revInfo>
 </file>
@@ -132,12 +132,12 @@
   <pc:docChgLst>
     <pc:chgData name="Graf Thomas, SCS-INI-NET-VNC-E2E" userId="487bc3e3-9ce7-4cdd-b7b4-8899ea88d289" providerId="ADAL" clId="{48F68950-F8CC-4505-AD5A-E44C3FF4A9B2}"/>
     <pc:docChg chg="undo custSel addSld delSld modSld sldOrd">
-      <pc:chgData name="Graf Thomas, SCS-INI-NET-VNC-E2E" userId="487bc3e3-9ce7-4cdd-b7b4-8899ea88d289" providerId="ADAL" clId="{48F68950-F8CC-4505-AD5A-E44C3FF4A9B2}" dt="2025-10-26T13:03:45.596" v="2106" actId="20577"/>
+      <pc:chgData name="Graf Thomas, SCS-INI-NET-VNC-E2E" userId="487bc3e3-9ce7-4cdd-b7b4-8899ea88d289" providerId="ADAL" clId="{48F68950-F8CC-4505-AD5A-E44C3FF4A9B2}" dt="2025-10-28T06:10:32.887" v="2139" actId="20577"/>
       <pc:docMkLst>
         <pc:docMk/>
       </pc:docMkLst>
       <pc:sldChg chg="modSp mod">
-        <pc:chgData name="Graf Thomas, SCS-INI-NET-VNC-E2E" userId="487bc3e3-9ce7-4cdd-b7b4-8899ea88d289" providerId="ADAL" clId="{48F68950-F8CC-4505-AD5A-E44C3FF4A9B2}" dt="2025-10-26T12:34:44.541" v="1607" actId="20577"/>
+        <pc:chgData name="Graf Thomas, SCS-INI-NET-VNC-E2E" userId="487bc3e3-9ce7-4cdd-b7b4-8899ea88d289" providerId="ADAL" clId="{48F68950-F8CC-4505-AD5A-E44C3FF4A9B2}" dt="2025-10-28T06:10:28.726" v="2138" actId="20577"/>
         <pc:sldMkLst>
           <pc:docMk/>
           <pc:sldMk cId="3578665336" sldId="1041"/>
@@ -151,7 +151,7 @@
           </ac:spMkLst>
         </pc:spChg>
         <pc:spChg chg="mod">
-          <ac:chgData name="Graf Thomas, SCS-INI-NET-VNC-E2E" userId="487bc3e3-9ce7-4cdd-b7b4-8899ea88d289" providerId="ADAL" clId="{48F68950-F8CC-4505-AD5A-E44C3FF4A9B2}" dt="2025-10-26T12:34:44.541" v="1607" actId="20577"/>
+          <ac:chgData name="Graf Thomas, SCS-INI-NET-VNC-E2E" userId="487bc3e3-9ce7-4cdd-b7b4-8899ea88d289" providerId="ADAL" clId="{48F68950-F8CC-4505-AD5A-E44C3FF4A9B2}" dt="2025-10-28T06:10:28.726" v="2138" actId="20577"/>
           <ac:spMkLst>
             <pc:docMk/>
             <pc:sldMk cId="3578665336" sldId="1041"/>
@@ -160,7 +160,7 @@
         </pc:spChg>
       </pc:sldChg>
       <pc:sldChg chg="addSp delSp modSp mod ord">
-        <pc:chgData name="Graf Thomas, SCS-INI-NET-VNC-E2E" userId="487bc3e3-9ce7-4cdd-b7b4-8899ea88d289" providerId="ADAL" clId="{48F68950-F8CC-4505-AD5A-E44C3FF4A9B2}" dt="2025-10-25T08:11:39.482" v="1572" actId="255"/>
+        <pc:chgData name="Graf Thomas, SCS-INI-NET-VNC-E2E" userId="487bc3e3-9ce7-4cdd-b7b4-8899ea88d289" providerId="ADAL" clId="{48F68950-F8CC-4505-AD5A-E44C3FF4A9B2}" dt="2025-10-28T06:09:07.884" v="2108"/>
         <pc:sldMkLst>
           <pc:docMk/>
           <pc:sldMk cId="2617504443" sldId="2145706242"/>
@@ -174,35 +174,11 @@
           </ac:spMkLst>
         </pc:spChg>
         <pc:spChg chg="mod">
-          <ac:chgData name="Graf Thomas, SCS-INI-NET-VNC-E2E" userId="487bc3e3-9ce7-4cdd-b7b4-8899ea88d289" providerId="ADAL" clId="{48F68950-F8CC-4505-AD5A-E44C3FF4A9B2}" dt="2025-10-25T08:11:39.482" v="1572" actId="255"/>
+          <ac:chgData name="Graf Thomas, SCS-INI-NET-VNC-E2E" userId="487bc3e3-9ce7-4cdd-b7b4-8899ea88d289" providerId="ADAL" clId="{48F68950-F8CC-4505-AD5A-E44C3FF4A9B2}" dt="2025-10-28T06:09:07.884" v="2108"/>
           <ac:spMkLst>
             <pc:docMk/>
             <pc:sldMk cId="2617504443" sldId="2145706242"/>
             <ac:spMk id="3" creationId="{29C0DFD4-432D-4B0C-93DF-790441DCF5B9}"/>
-          </ac:spMkLst>
-        </pc:spChg>
-        <pc:spChg chg="add">
-          <ac:chgData name="Graf Thomas, SCS-INI-NET-VNC-E2E" userId="487bc3e3-9ce7-4cdd-b7b4-8899ea88d289" providerId="ADAL" clId="{48F68950-F8CC-4505-AD5A-E44C3FF4A9B2}" dt="2025-10-25T07:23:22.938" v="18"/>
-          <ac:spMkLst>
-            <pc:docMk/>
-            <pc:sldMk cId="2617504443" sldId="2145706242"/>
-            <ac:spMk id="4" creationId="{14D6EDF5-7D65-0125-9708-6A27ABC534FD}"/>
-          </ac:spMkLst>
-        </pc:spChg>
-        <pc:spChg chg="add">
-          <ac:chgData name="Graf Thomas, SCS-INI-NET-VNC-E2E" userId="487bc3e3-9ce7-4cdd-b7b4-8899ea88d289" providerId="ADAL" clId="{48F68950-F8CC-4505-AD5A-E44C3FF4A9B2}" dt="2025-10-25T07:25:37.684" v="65"/>
-          <ac:spMkLst>
-            <pc:docMk/>
-            <pc:sldMk cId="2617504443" sldId="2145706242"/>
-            <ac:spMk id="5" creationId="{7492601E-9B18-EEC8-9228-DBC8182F81AA}"/>
-          </ac:spMkLst>
-        </pc:spChg>
-        <pc:spChg chg="add del mod">
-          <ac:chgData name="Graf Thomas, SCS-INI-NET-VNC-E2E" userId="487bc3e3-9ce7-4cdd-b7b4-8899ea88d289" providerId="ADAL" clId="{48F68950-F8CC-4505-AD5A-E44C3FF4A9B2}" dt="2025-10-25T08:02:35.229" v="1375" actId="478"/>
-          <ac:spMkLst>
-            <pc:docMk/>
-            <pc:sldMk cId="2617504443" sldId="2145706242"/>
-            <ac:spMk id="7" creationId="{BDA5F1B1-5262-D95C-A4A7-84EC62768427}"/>
           </ac:spMkLst>
         </pc:spChg>
         <pc:spChg chg="add mod">
@@ -269,17 +245,9 @@
             <ac:spMk id="18" creationId="{EEFA89AB-995F-33E6-B5C2-0D30897EAEA6}"/>
           </ac:spMkLst>
         </pc:spChg>
-        <pc:picChg chg="add del mod">
-          <ac:chgData name="Graf Thomas, SCS-INI-NET-VNC-E2E" userId="487bc3e3-9ce7-4cdd-b7b4-8899ea88d289" providerId="ADAL" clId="{48F68950-F8CC-4505-AD5A-E44C3FF4A9B2}" dt="2025-10-25T07:51:43.443" v="1116" actId="478"/>
-          <ac:picMkLst>
-            <pc:docMk/>
-            <pc:sldMk cId="2617504443" sldId="2145706242"/>
-            <ac:picMk id="6" creationId="{E50EE024-B60B-726D-F5BC-C3F50F794357}"/>
-          </ac:picMkLst>
-        </pc:picChg>
       </pc:sldChg>
       <pc:sldChg chg="addSp delSp modSp mod">
-        <pc:chgData name="Graf Thomas, SCS-INI-NET-VNC-E2E" userId="487bc3e3-9ce7-4cdd-b7b4-8899ea88d289" providerId="ADAL" clId="{48F68950-F8CC-4505-AD5A-E44C3FF4A9B2}" dt="2025-10-26T12:35:31.379" v="1610" actId="20577"/>
+        <pc:chgData name="Graf Thomas, SCS-INI-NET-VNC-E2E" userId="487bc3e3-9ce7-4cdd-b7b4-8899ea88d289" providerId="ADAL" clId="{48F68950-F8CC-4505-AD5A-E44C3FF4A9B2}" dt="2025-10-28T06:10:00.909" v="2137" actId="20577"/>
         <pc:sldMkLst>
           <pc:docMk/>
           <pc:sldMk cId="2750719351" sldId="2145706243"/>
@@ -293,27 +261,11 @@
           </ac:spMkLst>
         </pc:spChg>
         <pc:spChg chg="mod">
-          <ac:chgData name="Graf Thomas, SCS-INI-NET-VNC-E2E" userId="487bc3e3-9ce7-4cdd-b7b4-8899ea88d289" providerId="ADAL" clId="{48F68950-F8CC-4505-AD5A-E44C3FF4A9B2}" dt="2025-10-26T12:35:31.379" v="1610" actId="20577"/>
+          <ac:chgData name="Graf Thomas, SCS-INI-NET-VNC-E2E" userId="487bc3e3-9ce7-4cdd-b7b4-8899ea88d289" providerId="ADAL" clId="{48F68950-F8CC-4505-AD5A-E44C3FF4A9B2}" dt="2025-10-28T06:10:00.909" v="2137" actId="20577"/>
           <ac:spMkLst>
             <pc:docMk/>
             <pc:sldMk cId="2750719351" sldId="2145706243"/>
             <ac:spMk id="3" creationId="{E1C8AC62-B5C5-ADE4-1957-88D3A14E964A}"/>
-          </ac:spMkLst>
-        </pc:spChg>
-        <pc:spChg chg="add">
-          <ac:chgData name="Graf Thomas, SCS-INI-NET-VNC-E2E" userId="487bc3e3-9ce7-4cdd-b7b4-8899ea88d289" providerId="ADAL" clId="{48F68950-F8CC-4505-AD5A-E44C3FF4A9B2}" dt="2025-10-25T07:35:48.624" v="550"/>
-          <ac:spMkLst>
-            <pc:docMk/>
-            <pc:sldMk cId="2750719351" sldId="2145706243"/>
-            <ac:spMk id="4" creationId="{A394A6AB-E46F-9A87-D2DF-A32C1EA266C8}"/>
-          </ac:spMkLst>
-        </pc:spChg>
-        <pc:spChg chg="del">
-          <ac:chgData name="Graf Thomas, SCS-INI-NET-VNC-E2E" userId="487bc3e3-9ce7-4cdd-b7b4-8899ea88d289" providerId="ADAL" clId="{48F68950-F8CC-4505-AD5A-E44C3FF4A9B2}" dt="2025-10-25T07:36:50.996" v="565" actId="478"/>
-          <ac:spMkLst>
-            <pc:docMk/>
-            <pc:sldMk cId="2750719351" sldId="2145706243"/>
-            <ac:spMk id="5" creationId="{8C23250E-A19C-6C6E-E1FC-F12B08950F9A}"/>
           </ac:spMkLst>
         </pc:spChg>
         <pc:spChg chg="mod">
@@ -324,14 +276,6 @@
             <ac:spMk id="8" creationId="{8BB66400-890A-2BF7-2334-5D3E2ED00552}"/>
           </ac:spMkLst>
         </pc:spChg>
-        <pc:picChg chg="del">
-          <ac:chgData name="Graf Thomas, SCS-INI-NET-VNC-E2E" userId="487bc3e3-9ce7-4cdd-b7b4-8899ea88d289" providerId="ADAL" clId="{48F68950-F8CC-4505-AD5A-E44C3FF4A9B2}" dt="2025-10-25T07:36:49.176" v="564" actId="478"/>
-          <ac:picMkLst>
-            <pc:docMk/>
-            <pc:sldMk cId="2750719351" sldId="2145706243"/>
-            <ac:picMk id="9" creationId="{8F6D5FF2-E4CF-46B4-608A-82B9EF4D42C4}"/>
-          </ac:picMkLst>
-        </pc:picChg>
       </pc:sldChg>
       <pc:sldChg chg="modSp add del mod">
         <pc:chgData name="Graf Thomas, SCS-INI-NET-VNC-E2E" userId="487bc3e3-9ce7-4cdd-b7b4-8899ea88d289" providerId="ADAL" clId="{48F68950-F8CC-4505-AD5A-E44C3FF4A9B2}" dt="2025-10-25T08:05:10.195" v="1484" actId="47"/>
@@ -339,14 +283,6 @@
           <pc:docMk/>
           <pc:sldMk cId="1582024394" sldId="2145706304"/>
         </pc:sldMkLst>
-        <pc:spChg chg="mod">
-          <ac:chgData name="Graf Thomas, SCS-INI-NET-VNC-E2E" userId="487bc3e3-9ce7-4cdd-b7b4-8899ea88d289" providerId="ADAL" clId="{48F68950-F8CC-4505-AD5A-E44C3FF4A9B2}" dt="2025-10-25T07:50:16.027" v="1114" actId="14861"/>
-          <ac:spMkLst>
-            <pc:docMk/>
-            <pc:sldMk cId="1582024394" sldId="2145706304"/>
-            <ac:spMk id="4" creationId="{7A4670A5-928B-EB1C-84C2-106DD79D9535}"/>
-          </ac:spMkLst>
-        </pc:spChg>
       </pc:sldChg>
       <pc:sldChg chg="modSp add mod">
         <pc:chgData name="Graf Thomas, SCS-INI-NET-VNC-E2E" userId="487bc3e3-9ce7-4cdd-b7b4-8899ea88d289" providerId="ADAL" clId="{48F68950-F8CC-4505-AD5A-E44C3FF4A9B2}" dt="2025-10-25T08:24:04.896" v="1605" actId="20577"/>
@@ -364,7 +300,7 @@
         </pc:spChg>
       </pc:sldChg>
       <pc:sldChg chg="addSp modSp add mod">
-        <pc:chgData name="Graf Thomas, SCS-INI-NET-VNC-E2E" userId="487bc3e3-9ce7-4cdd-b7b4-8899ea88d289" providerId="ADAL" clId="{48F68950-F8CC-4505-AD5A-E44C3FF4A9B2}" dt="2025-10-26T13:03:45.596" v="2106" actId="20577"/>
+        <pc:chgData name="Graf Thomas, SCS-INI-NET-VNC-E2E" userId="487bc3e3-9ce7-4cdd-b7b4-8899ea88d289" providerId="ADAL" clId="{48F68950-F8CC-4505-AD5A-E44C3FF4A9B2}" dt="2025-10-28T06:10:32.887" v="2139" actId="20577"/>
         <pc:sldMkLst>
           <pc:docMk/>
           <pc:sldMk cId="4208302676" sldId="2145706306"/>
@@ -386,7 +322,7 @@
           </ac:spMkLst>
         </pc:spChg>
         <pc:spChg chg="add mod">
-          <ac:chgData name="Graf Thomas, SCS-INI-NET-VNC-E2E" userId="487bc3e3-9ce7-4cdd-b7b4-8899ea88d289" providerId="ADAL" clId="{48F68950-F8CC-4505-AD5A-E44C3FF4A9B2}" dt="2025-10-26T12:34:52.414" v="1608"/>
+          <ac:chgData name="Graf Thomas, SCS-INI-NET-VNC-E2E" userId="487bc3e3-9ce7-4cdd-b7b4-8899ea88d289" providerId="ADAL" clId="{48F68950-F8CC-4505-AD5A-E44C3FF4A9B2}" dt="2025-10-28T06:10:32.887" v="2139" actId="20577"/>
           <ac:spMkLst>
             <pc:docMk/>
             <pc:sldMk cId="4208302676" sldId="2145706306"/>
@@ -448,46 +384,6 @@
             <ac:spMk id="3" creationId="{29C0DFD4-432D-4B0C-93DF-790441DCF5B9}"/>
           </ac:spMkLst>
         </pc:spChg>
-        <pc:spChg chg="del mod">
-          <ac:chgData name="Graf Thomas, SCS-INI-NET-VNC-E2E" userId="487bc3e3-9ce7-4cdd-b7b4-8899ea88d289" providerId="ADAL" clId="{1BAAA70E-921F-47F1-8CE8-3DD05F71A227}" dt="2025-10-25T07:10:33.919" v="1099" actId="478"/>
-          <ac:spMkLst>
-            <pc:docMk/>
-            <pc:sldMk cId="2617504443" sldId="2145706242"/>
-            <ac:spMk id="5" creationId="{A9CD1D68-6740-B60A-B5C6-3012DD46A668}"/>
-          </ac:spMkLst>
-        </pc:spChg>
-        <pc:spChg chg="del">
-          <ac:chgData name="Graf Thomas, SCS-INI-NET-VNC-E2E" userId="487bc3e3-9ce7-4cdd-b7b4-8899ea88d289" providerId="ADAL" clId="{1BAAA70E-921F-47F1-8CE8-3DD05F71A227}" dt="2025-10-25T06:56:14.863" v="39" actId="478"/>
-          <ac:spMkLst>
-            <pc:docMk/>
-            <pc:sldMk cId="2617504443" sldId="2145706242"/>
-            <ac:spMk id="7" creationId="{F1861884-AA79-8041-A708-D4652D546A08}"/>
-          </ac:spMkLst>
-        </pc:spChg>
-        <pc:spChg chg="add">
-          <ac:chgData name="Graf Thomas, SCS-INI-NET-VNC-E2E" userId="487bc3e3-9ce7-4cdd-b7b4-8899ea88d289" providerId="ADAL" clId="{1BAAA70E-921F-47F1-8CE8-3DD05F71A227}" dt="2025-10-25T07:07:48.024" v="872"/>
-          <ac:spMkLst>
-            <pc:docMk/>
-            <pc:sldMk cId="2617504443" sldId="2145706242"/>
-            <ac:spMk id="10" creationId="{875A66DF-028C-44F3-C460-C497120C6273}"/>
-          </ac:spMkLst>
-        </pc:spChg>
-        <pc:picChg chg="del">
-          <ac:chgData name="Graf Thomas, SCS-INI-NET-VNC-E2E" userId="487bc3e3-9ce7-4cdd-b7b4-8899ea88d289" providerId="ADAL" clId="{1BAAA70E-921F-47F1-8CE8-3DD05F71A227}" dt="2025-10-25T06:55:49.896" v="21" actId="478"/>
-          <ac:picMkLst>
-            <pc:docMk/>
-            <pc:sldMk cId="2617504443" sldId="2145706242"/>
-            <ac:picMk id="4" creationId="{3F6FE370-7B96-20ED-12F6-496CEBE7C7B7}"/>
-          </ac:picMkLst>
-        </pc:picChg>
-        <pc:picChg chg="add del mod ord">
-          <ac:chgData name="Graf Thomas, SCS-INI-NET-VNC-E2E" userId="487bc3e3-9ce7-4cdd-b7b4-8899ea88d289" providerId="ADAL" clId="{1BAAA70E-921F-47F1-8CE8-3DD05F71A227}" dt="2025-10-25T07:10:31.930" v="1098" actId="478"/>
-          <ac:picMkLst>
-            <pc:docMk/>
-            <pc:sldMk cId="2617504443" sldId="2145706242"/>
-            <ac:picMk id="9" creationId="{23919BF8-9445-867D-B069-6B33C31331C2}"/>
-          </ac:picMkLst>
-        </pc:picChg>
       </pc:sldChg>
       <pc:sldChg chg="modSp add mod">
         <pc:chgData name="Graf Thomas, SCS-INI-NET-VNC-E2E" userId="487bc3e3-9ce7-4cdd-b7b4-8899ea88d289" providerId="ADAL" clId="{1BAAA70E-921F-47F1-8CE8-3DD05F71A227}" dt="2025-10-25T07:16:56.924" v="1667" actId="948"/>
@@ -599,7 +495,7 @@
           <a:p>
             <a:fld id="{E5E705E9-673F-4AC4-B29E-A7B26F3B8523}" type="datetimeFigureOut">
               <a:rPr lang="de-CH" smtClean="0"/>
-              <a:t>26.10.2025</a:t>
+              <a:t>28.10.2025</a:t>
             </a:fld>
             <a:endParaRPr lang="de-CH"/>
           </a:p>
@@ -1016,7 +912,7 @@
           <a:p>
             <a:fld id="{9E9B238C-2335-4007-98C9-471C02CC43B6}" type="datetimeFigureOut">
               <a:rPr lang="de-CH" smtClean="0"/>
-              <a:t>26.10.2025</a:t>
+              <a:t>28.10.2025</a:t>
             </a:fld>
             <a:endParaRPr lang="de-CH"/>
           </a:p>
@@ -1216,7 +1112,7 @@
           <a:p>
             <a:fld id="{9E9B238C-2335-4007-98C9-471C02CC43B6}" type="datetimeFigureOut">
               <a:rPr lang="de-CH" smtClean="0"/>
-              <a:t>26.10.2025</a:t>
+              <a:t>28.10.2025</a:t>
             </a:fld>
             <a:endParaRPr lang="de-CH"/>
           </a:p>
@@ -1426,7 +1322,7 @@
           <a:p>
             <a:fld id="{9E9B238C-2335-4007-98C9-471C02CC43B6}" type="datetimeFigureOut">
               <a:rPr lang="de-CH" smtClean="0"/>
-              <a:t>26.10.2025</a:t>
+              <a:t>28.10.2025</a:t>
             </a:fld>
             <a:endParaRPr lang="de-CH"/>
           </a:p>
@@ -1626,7 +1522,7 @@
           <a:p>
             <a:fld id="{9E9B238C-2335-4007-98C9-471C02CC43B6}" type="datetimeFigureOut">
               <a:rPr lang="de-CH" smtClean="0"/>
-              <a:t>26.10.2025</a:t>
+              <a:t>28.10.2025</a:t>
             </a:fld>
             <a:endParaRPr lang="de-CH"/>
           </a:p>
@@ -1902,7 +1798,7 @@
           <a:p>
             <a:fld id="{9E9B238C-2335-4007-98C9-471C02CC43B6}" type="datetimeFigureOut">
               <a:rPr lang="de-CH" smtClean="0"/>
-              <a:t>26.10.2025</a:t>
+              <a:t>28.10.2025</a:t>
             </a:fld>
             <a:endParaRPr lang="de-CH"/>
           </a:p>
@@ -2170,7 +2066,7 @@
           <a:p>
             <a:fld id="{9E9B238C-2335-4007-98C9-471C02CC43B6}" type="datetimeFigureOut">
               <a:rPr lang="de-CH" smtClean="0"/>
-              <a:t>26.10.2025</a:t>
+              <a:t>28.10.2025</a:t>
             </a:fld>
             <a:endParaRPr lang="de-CH"/>
           </a:p>
@@ -2585,7 +2481,7 @@
           <a:p>
             <a:fld id="{9E9B238C-2335-4007-98C9-471C02CC43B6}" type="datetimeFigureOut">
               <a:rPr lang="de-CH" smtClean="0"/>
-              <a:t>26.10.2025</a:t>
+              <a:t>28.10.2025</a:t>
             </a:fld>
             <a:endParaRPr lang="de-CH"/>
           </a:p>
@@ -2727,7 +2623,7 @@
           <a:p>
             <a:fld id="{9E9B238C-2335-4007-98C9-471C02CC43B6}" type="datetimeFigureOut">
               <a:rPr lang="de-CH" smtClean="0"/>
-              <a:t>26.10.2025</a:t>
+              <a:t>28.10.2025</a:t>
             </a:fld>
             <a:endParaRPr lang="de-CH"/>
           </a:p>
@@ -2840,7 +2736,7 @@
           <a:p>
             <a:fld id="{9E9B238C-2335-4007-98C9-471C02CC43B6}" type="datetimeFigureOut">
               <a:rPr lang="de-CH" smtClean="0"/>
-              <a:t>26.10.2025</a:t>
+              <a:t>28.10.2025</a:t>
             </a:fld>
             <a:endParaRPr lang="de-CH"/>
           </a:p>
@@ -3153,7 +3049,7 @@
           <a:p>
             <a:fld id="{9E9B238C-2335-4007-98C9-471C02CC43B6}" type="datetimeFigureOut">
               <a:rPr lang="de-CH" smtClean="0"/>
-              <a:t>26.10.2025</a:t>
+              <a:t>28.10.2025</a:t>
             </a:fld>
             <a:endParaRPr lang="de-CH"/>
           </a:p>
@@ -3442,7 +3338,7 @@
           <a:p>
             <a:fld id="{9E9B238C-2335-4007-98C9-471C02CC43B6}" type="datetimeFigureOut">
               <a:rPr lang="de-CH" smtClean="0"/>
-              <a:t>26.10.2025</a:t>
+              <a:t>28.10.2025</a:t>
             </a:fld>
             <a:endParaRPr lang="de-CH"/>
           </a:p>
@@ -3685,7 +3581,7 @@
           <a:p>
             <a:fld id="{9E9B238C-2335-4007-98C9-471C02CC43B6}" type="datetimeFigureOut">
               <a:rPr lang="de-CH" smtClean="0"/>
-              <a:t>26.10.2025</a:t>
+              <a:t>28.10.2025</a:t>
             </a:fld>
             <a:endParaRPr lang="de-CH"/>
           </a:p>
@@ -4479,7 +4375,7 @@
               <a:rPr lang="de-CH" sz="1400" dirty="0">
                 <a:latin typeface="+mj-lt"/>
               </a:rPr>
-              <a:t>26. </a:t>
+              <a:t>28. </a:t>
             </a:r>
             <a:r>
               <a:rPr lang="de-CH" sz="1400" dirty="0" err="1">
@@ -4697,7 +4593,7 @@
             </a:pPr>
             <a:r>
               <a:rPr lang="en-US" sz="1700" dirty="0"/>
-              <a:t>YANG-Push push notification received from the network node.</a:t>
+              <a:t>YANG-Push notification received from the network node.</a:t>
             </a:r>
           </a:p>
           <a:p>
@@ -8130,40 +8026,53 @@
               <a:rPr lang="en-US" sz="1800" dirty="0">
                 <a:latin typeface="Calibri Body"/>
               </a:rPr>
-              <a:t>, data structure) or notification (). Considering that it envelops </a:t>
+              <a:t>, data structure) or notification (</a:t>
             </a:r>
             <a:r>
               <a:rPr lang="en-US" sz="1800" dirty="0">
                 <a:latin typeface="Calibri Body"/>
                 <a:hlinkClick r:id="rId4"/>
               </a:rPr>
+              <a:t>Section 4.2.10 of RFC 7950</a:t>
+            </a:r>
+            <a:r>
+              <a:rPr lang="en-US" sz="1800" dirty="0">
+                <a:latin typeface="Calibri Body"/>
+              </a:rPr>
+              <a:t>). Considering that it envelops </a:t>
+            </a:r>
+            <a:r>
+              <a:rPr lang="en-US" sz="1800" dirty="0">
+                <a:latin typeface="Calibri Body"/>
+                <a:hlinkClick r:id="rId5"/>
+              </a:rPr>
               <a:t>draft-</a:t>
             </a:r>
             <a:r>
               <a:rPr lang="en-US" sz="1800" dirty="0" err="1">
                 <a:latin typeface="Calibri Body"/>
-                <a:hlinkClick r:id="rId4"/>
+                <a:hlinkClick r:id="rId5"/>
               </a:rPr>
               <a:t>ietf</a:t>
             </a:r>
             <a:r>
               <a:rPr lang="en-US" sz="1800" dirty="0">
                 <a:latin typeface="Calibri Body"/>
-                <a:hlinkClick r:id="rId4"/>
+                <a:hlinkClick r:id="rId5"/>
               </a:rPr>
               <a:t>-netconf-</a:t>
             </a:r>
             <a:r>
               <a:rPr lang="en-US" sz="1800" dirty="0" err="1">
                 <a:latin typeface="Calibri Body"/>
-                <a:hlinkClick r:id="rId4"/>
+                <a:hlinkClick r:id="rId5"/>
               </a:rPr>
               <a:t>notif</a:t>
             </a:r>
             <a:r>
               <a:rPr lang="en-US" sz="1800" dirty="0">
                 <a:latin typeface="Calibri Body"/>
-                <a:hlinkClick r:id="rId4"/>
+                <a:hlinkClick r:id="rId5"/>
               </a:rPr>
               <a:t>-envelope</a:t>
             </a:r>
@@ -8878,10 +8787,10 @@
               <a:buNone/>
             </a:pPr>
             <a:r>
-              <a:rPr lang="de-CH" sz="1400" dirty="0">
+              <a:rPr lang="de-CH" sz="1400">
                 <a:latin typeface="+mj-lt"/>
               </a:rPr>
-              <a:t>26. </a:t>
+              <a:t>28. </a:t>
             </a:r>
             <a:r>
               <a:rPr lang="de-CH" sz="1400" dirty="0" err="1">
